--- a/Airline_presentation.pptx
+++ b/Airline_presentation.pptx
@@ -1901,7 +1901,7 @@
         </p:nvSpPr>
         <p:spPr>
           <a:xfrm>
-            <a:off x="381300" y="685800"/>
+            <a:off x="381000" y="685800"/>
             <a:ext cx="6096000" cy="3429000"/>
           </a:xfrm>
           <a:custGeom>
@@ -10125,10 +10125,20 @@
               <a:buNone/>
             </a:pPr>
             <a:r>
-              <a:rPr lang="en"/>
-              <a:t>5. Aircraft recommendations based on seat type </a:t>
+              <a:rPr lang="en" dirty="0"/>
+              <a:t>5. </a:t>
             </a:r>
-            <a:endParaRPr/>
+            <a:r>
+              <a:rPr lang="en-US" b="1" i="0" u="none" strike="noStrike" dirty="0">
+                <a:solidFill>
+                  <a:srgbClr val="1A1A1A"/>
+                </a:solidFill>
+                <a:effectLst/>
+                <a:latin typeface="Raleway" pitchFamily="2" charset="77"/>
+              </a:rPr>
+              <a:t>Seat type Popularity based on Aircraft type</a:t>
+            </a:r>
+            <a:endParaRPr dirty="0"/>
           </a:p>
         </p:txBody>
       </p:sp>
@@ -10167,10 +10177,16 @@
               <a:buNone/>
             </a:pPr>
             <a:r>
-              <a:rPr lang="en"/>
-              <a:t>Based on our heat map analysis, we can conclude that the aircraft that had the highest ratings based on seat types was the airline a320. The most rated classes were Business and Economy.</a:t>
+              <a:rPr lang="en-US" b="0" i="0" u="none" strike="noStrike" dirty="0">
+                <a:solidFill>
+                  <a:srgbClr val="595959"/>
+                </a:solidFill>
+                <a:effectLst/>
+                <a:latin typeface="Lato" panose="020F0502020204030203" pitchFamily="34" charset="0"/>
+              </a:rPr>
+              <a:t>Based on our heat map analysis, we can conclude that the aircraft that had the most number of passengers based on seat types was the airline a320 and those seat types were Business and Economy.</a:t>
             </a:r>
-            <a:endParaRPr/>
+            <a:endParaRPr dirty="0"/>
           </a:p>
           <a:p>
             <a:pPr marL="0" lvl="0" indent="0" algn="l" rtl="0">
@@ -10178,23 +10194,11 @@
                 <a:spcPts val="1200"/>
               </a:spcBef>
               <a:spcAft>
-                <a:spcPts val="0"/>
+                <a:spcPts val="1200"/>
               </a:spcAft>
               <a:buNone/>
             </a:pPr>
-            <a:endParaRPr/>
-          </a:p>
-          <a:p>
-            <a:pPr marL="0" lvl="0" indent="0" algn="l" rtl="0">
-              <a:spcBef>
-                <a:spcPts val="1200"/>
-              </a:spcBef>
-              <a:spcAft>
-                <a:spcPts val="1200"/>
-              </a:spcAft>
-              <a:buNone/>
-            </a:pPr>
-            <a:endParaRPr/>
+            <a:endParaRPr dirty="0"/>
           </a:p>
         </p:txBody>
       </p:sp>
